--- a/traktor/various/dj_genres.pptx
+++ b/traktor/various/dj_genres.pptx
@@ -289,7 +289,7 @@
             <a:fld id="{1D8BD707-D9CF-40AE-B4C6-C98DA3205C09}" type="datetimeFigureOut">
               <a:rPr lang="en-US" smtClean="0"/>
               <a:pPr/>
-              <a:t>10/15/2019</a:t>
+              <a:t>10/19/2019</a:t>
             </a:fld>
             <a:endParaRPr lang="en-US"/>
           </a:p>
@@ -456,7 +456,7 @@
             <a:fld id="{1D8BD707-D9CF-40AE-B4C6-C98DA3205C09}" type="datetimeFigureOut">
               <a:rPr lang="en-US" smtClean="0"/>
               <a:pPr/>
-              <a:t>10/15/2019</a:t>
+              <a:t>10/19/2019</a:t>
             </a:fld>
             <a:endParaRPr lang="en-US"/>
           </a:p>
@@ -633,7 +633,7 @@
             <a:fld id="{1D8BD707-D9CF-40AE-B4C6-C98DA3205C09}" type="datetimeFigureOut">
               <a:rPr lang="en-US" smtClean="0"/>
               <a:pPr/>
-              <a:t>10/15/2019</a:t>
+              <a:t>10/19/2019</a:t>
             </a:fld>
             <a:endParaRPr lang="en-US"/>
           </a:p>
@@ -800,7 +800,7 @@
             <a:fld id="{1D8BD707-D9CF-40AE-B4C6-C98DA3205C09}" type="datetimeFigureOut">
               <a:rPr lang="en-US" smtClean="0"/>
               <a:pPr/>
-              <a:t>10/15/2019</a:t>
+              <a:t>10/19/2019</a:t>
             </a:fld>
             <a:endParaRPr lang="en-US"/>
           </a:p>
@@ -1043,7 +1043,7 @@
             <a:fld id="{1D8BD707-D9CF-40AE-B4C6-C98DA3205C09}" type="datetimeFigureOut">
               <a:rPr lang="en-US" smtClean="0"/>
               <a:pPr/>
-              <a:t>10/15/2019</a:t>
+              <a:t>10/19/2019</a:t>
             </a:fld>
             <a:endParaRPr lang="en-US"/>
           </a:p>
@@ -1328,7 +1328,7 @@
             <a:fld id="{1D8BD707-D9CF-40AE-B4C6-C98DA3205C09}" type="datetimeFigureOut">
               <a:rPr lang="en-US" smtClean="0"/>
               <a:pPr/>
-              <a:t>10/15/2019</a:t>
+              <a:t>10/19/2019</a:t>
             </a:fld>
             <a:endParaRPr lang="en-US"/>
           </a:p>
@@ -1747,7 +1747,7 @@
             <a:fld id="{1D8BD707-D9CF-40AE-B4C6-C98DA3205C09}" type="datetimeFigureOut">
               <a:rPr lang="en-US" smtClean="0"/>
               <a:pPr/>
-              <a:t>10/15/2019</a:t>
+              <a:t>10/19/2019</a:t>
             </a:fld>
             <a:endParaRPr lang="en-US"/>
           </a:p>
@@ -1862,7 +1862,7 @@
             <a:fld id="{1D8BD707-D9CF-40AE-B4C6-C98DA3205C09}" type="datetimeFigureOut">
               <a:rPr lang="en-US" smtClean="0"/>
               <a:pPr/>
-              <a:t>10/15/2019</a:t>
+              <a:t>10/19/2019</a:t>
             </a:fld>
             <a:endParaRPr lang="en-US"/>
           </a:p>
@@ -1954,7 +1954,7 @@
             <a:fld id="{1D8BD707-D9CF-40AE-B4C6-C98DA3205C09}" type="datetimeFigureOut">
               <a:rPr lang="en-US" smtClean="0"/>
               <a:pPr/>
-              <a:t>10/15/2019</a:t>
+              <a:t>10/19/2019</a:t>
             </a:fld>
             <a:endParaRPr lang="en-US"/>
           </a:p>
@@ -2228,7 +2228,7 @@
             <a:fld id="{1D8BD707-D9CF-40AE-B4C6-C98DA3205C09}" type="datetimeFigureOut">
               <a:rPr lang="en-US" smtClean="0"/>
               <a:pPr/>
-              <a:t>10/15/2019</a:t>
+              <a:t>10/19/2019</a:t>
             </a:fld>
             <a:endParaRPr lang="en-US"/>
           </a:p>
@@ -2478,7 +2478,7 @@
             <a:fld id="{1D8BD707-D9CF-40AE-B4C6-C98DA3205C09}" type="datetimeFigureOut">
               <a:rPr lang="en-US" smtClean="0"/>
               <a:pPr/>
-              <a:t>10/15/2019</a:t>
+              <a:t>10/19/2019</a:t>
             </a:fld>
             <a:endParaRPr lang="en-US"/>
           </a:p>
@@ -2688,7 +2688,7 @@
             <a:fld id="{1D8BD707-D9CF-40AE-B4C6-C98DA3205C09}" type="datetimeFigureOut">
               <a:rPr lang="en-US" smtClean="0"/>
               <a:pPr/>
-              <a:t>10/15/2019</a:t>
+              <a:t>10/19/2019</a:t>
             </a:fld>
             <a:endParaRPr lang="en-US"/>
           </a:p>
@@ -3061,169 +3061,55 @@
       </p:grpSpPr>
       <p:grpSp>
         <p:nvGrpSpPr>
-          <p:cNvPr id="5" name="Group 4"/>
+          <p:cNvPr id="13" name="Group 12"/>
           <p:cNvGrpSpPr/>
           <p:nvPr/>
         </p:nvGrpSpPr>
         <p:grpSpPr>
           <a:xfrm>
-            <a:off x="333553" y="982816"/>
-            <a:ext cx="2310442" cy="3252490"/>
-            <a:chOff x="333553" y="982816"/>
-            <a:chExt cx="2310442" cy="3252490"/>
+            <a:off x="76200" y="76200"/>
+            <a:ext cx="8993288" cy="4648200"/>
+            <a:chOff x="106394" y="685800"/>
+            <a:chExt cx="8403564" cy="4343400"/>
           </a:xfrm>
         </p:grpSpPr>
-        <p:pic>
-          <p:nvPicPr>
-            <p:cNvPr id="1026" name="Picture 2" descr="C:\Users\Pedro\Desktop\U_Root\0_linux_home\git\music_scripts\traktor\various\dj_genres_-_major.jpg"/>
-            <p:cNvPicPr>
-              <a:picLocks noChangeAspect="1" noChangeArrowheads="1"/>
-            </p:cNvPicPr>
-            <p:nvPr/>
-          </p:nvPicPr>
-          <p:blipFill rotWithShape="1">
-            <a:blip r:embed="rId2">
-              <a:extLst>
-                <a:ext uri="{28A0092B-C50C-407E-A947-70E740481C1C}">
-                  <a14:useLocalDpi xmlns:a14="http://schemas.microsoft.com/office/drawing/2010/main" val="0"/>
-                </a:ext>
-              </a:extLst>
-            </a:blip>
-            <a:srcRect r="10664"/>
-            <a:stretch/>
-          </p:blipFill>
-          <p:spPr bwMode="auto">
-            <a:xfrm>
-              <a:off x="346494" y="1444481"/>
-              <a:ext cx="2297501" cy="2790825"/>
-            </a:xfrm>
-            <a:prstGeom prst="rect">
-              <a:avLst/>
-            </a:prstGeom>
-            <a:noFill/>
-            <a:extLst>
-              <a:ext uri="{909E8E84-426E-40DD-AFC4-6F175D3DCCD1}">
-                <a14:hiddenFill xmlns:a14="http://schemas.microsoft.com/office/drawing/2010/main">
-                  <a:solidFill>
-                    <a:srgbClr val="FFFFFF"/>
-                  </a:solidFill>
-                </a14:hiddenFill>
-              </a:ext>
-            </a:extLst>
-          </p:spPr>
-        </p:pic>
-        <p:sp>
-          <p:nvSpPr>
-            <p:cNvPr id="4" name="TextBox 3"/>
-            <p:cNvSpPr txBox="1"/>
-            <p:nvPr/>
-          </p:nvSpPr>
-          <p:spPr>
-            <a:xfrm>
-              <a:off x="333553" y="982816"/>
-              <a:ext cx="2212080" cy="461665"/>
-            </a:xfrm>
-            <a:prstGeom prst="rect">
-              <a:avLst/>
-            </a:prstGeom>
-            <a:noFill/>
-          </p:spPr>
-          <p:txBody>
-            <a:bodyPr wrap="none" rtlCol="0">
-              <a:spAutoFit/>
-            </a:bodyPr>
-            <a:lstStyle/>
-            <a:p>
-              <a:r>
-                <a:rPr lang="en-US" sz="2400" dirty="0" smtClean="0"/>
-                <a:t>MAJOR GENRES</a:t>
-              </a:r>
-              <a:endParaRPr lang="en-US" sz="2400" dirty="0"/>
-            </a:p>
-          </p:txBody>
-        </p:sp>
-      </p:grpSp>
-      <p:grpSp>
-        <p:nvGrpSpPr>
-          <p:cNvPr id="9" name="Group 8"/>
-          <p:cNvGrpSpPr/>
-          <p:nvPr/>
-        </p:nvGrpSpPr>
-        <p:grpSpPr>
-          <a:xfrm>
-            <a:off x="2743200" y="997193"/>
-            <a:ext cx="5690558" cy="3974317"/>
-            <a:chOff x="3372929" y="982816"/>
-            <a:chExt cx="5690558" cy="3974317"/>
-          </a:xfrm>
-        </p:grpSpPr>
-        <p:sp>
-          <p:nvSpPr>
-            <p:cNvPr id="8" name="TextBox 7"/>
-            <p:cNvSpPr txBox="1"/>
-            <p:nvPr/>
-          </p:nvSpPr>
-          <p:spPr>
-            <a:xfrm>
-              <a:off x="3372929" y="982816"/>
-              <a:ext cx="2911566" cy="461665"/>
-            </a:xfrm>
-            <a:prstGeom prst="rect">
-              <a:avLst/>
-            </a:prstGeom>
-            <a:noFill/>
-          </p:spPr>
-          <p:txBody>
-            <a:bodyPr wrap="none" rtlCol="0">
-              <a:spAutoFit/>
-            </a:bodyPr>
-            <a:lstStyle/>
-            <a:p>
-              <a:r>
-                <a:rPr lang="en-US" sz="2400" dirty="0" smtClean="0"/>
-                <a:t>SUB-GENRES (partial)</a:t>
-              </a:r>
-              <a:endParaRPr lang="en-US" sz="2400" dirty="0"/>
-            </a:p>
-          </p:txBody>
-        </p:sp>
         <p:grpSp>
           <p:nvGrpSpPr>
-            <p:cNvPr id="7" name="Group 6"/>
+            <p:cNvPr id="5" name="Group 4"/>
             <p:cNvGrpSpPr/>
             <p:nvPr/>
           </p:nvGrpSpPr>
           <p:grpSpPr>
             <a:xfrm>
-              <a:off x="3372929" y="1524000"/>
-              <a:ext cx="5690558" cy="3433133"/>
-              <a:chOff x="3372929" y="1485180"/>
-              <a:chExt cx="5690558" cy="3433133"/>
+              <a:off x="106394" y="808517"/>
+              <a:ext cx="2310442" cy="3252490"/>
+              <a:chOff x="333553" y="982816"/>
+              <a:chExt cx="2310442" cy="3252490"/>
             </a:xfrm>
           </p:grpSpPr>
           <p:pic>
             <p:nvPicPr>
-              <p:cNvPr id="1027" name="Picture 3" descr="C:\Users\Pedro\Desktop\U_Root\0_linux_home\git\music_scripts\traktor\various\dj_genres_-_minor_(partial).jpg"/>
+              <p:cNvPr id="1026" name="Picture 2" descr="C:\Users\Pedro\Desktop\U_Root\0_linux_home\git\music_scripts\traktor\various\dj_genres_-_major.jpg"/>
               <p:cNvPicPr>
                 <a:picLocks noChangeAspect="1" noChangeArrowheads="1"/>
               </p:cNvPicPr>
               <p:nvPr/>
             </p:nvPicPr>
             <p:blipFill rotWithShape="1">
-              <a:blip r:embed="rId3">
+              <a:blip r:embed="rId2">
                 <a:extLst>
                   <a:ext uri="{28A0092B-C50C-407E-A947-70E740481C1C}">
                     <a14:useLocalDpi xmlns:a14="http://schemas.microsoft.com/office/drawing/2010/main" val="0"/>
                   </a:ext>
                 </a:extLst>
               </a:blip>
-              <a:srcRect l="2930" t="48436" r="7518"/>
+              <a:srcRect r="10664"/>
               <a:stretch/>
             </p:blipFill>
             <p:spPr bwMode="auto">
               <a:xfrm>
-                <a:off x="5205483" y="1485180"/>
-                <a:ext cx="2286000" cy="3433133"/>
+                <a:off x="346494" y="1444481"/>
+                <a:ext cx="2297501" cy="2790825"/>
               </a:xfrm>
               <a:prstGeom prst="rect">
                 <a:avLst/>
@@ -3240,107 +3126,16 @@
               </a:extLst>
             </p:spPr>
           </p:pic>
-          <p:pic>
-            <p:nvPicPr>
-              <p:cNvPr id="6" name="Picture 3" descr="C:\Users\Pedro\Desktop\U_Root\0_linux_home\git\music_scripts\traktor\various\dj_genres_-_minor_(partial).jpg"/>
-              <p:cNvPicPr>
-                <a:picLocks noChangeAspect="1" noChangeArrowheads="1"/>
-              </p:cNvPicPr>
-              <p:nvPr/>
-            </p:nvPicPr>
-            <p:blipFill rotWithShape="1">
-              <a:blip r:embed="rId3">
-                <a:extLst>
-                  <a:ext uri="{28A0092B-C50C-407E-A947-70E740481C1C}">
-                    <a14:useLocalDpi xmlns:a14="http://schemas.microsoft.com/office/drawing/2010/main" val="0"/>
-                  </a:ext>
-                </a:extLst>
-              </a:blip>
-              <a:srcRect l="3491" r="19459" b="52211"/>
-              <a:stretch/>
-            </p:blipFill>
-            <p:spPr bwMode="auto">
-              <a:xfrm>
-                <a:off x="3372929" y="1485180"/>
-                <a:ext cx="1966822" cy="3181711"/>
-              </a:xfrm>
-              <a:prstGeom prst="rect">
-                <a:avLst/>
-              </a:prstGeom>
-              <a:noFill/>
-              <a:extLst>
-                <a:ext uri="{909E8E84-426E-40DD-AFC4-6F175D3DCCD1}">
-                  <a14:hiddenFill xmlns:a14="http://schemas.microsoft.com/office/drawing/2010/main">
-                    <a:solidFill>
-                      <a:srgbClr val="FFFFFF"/>
-                    </a:solidFill>
-                  </a14:hiddenFill>
-                </a:ext>
-              </a:extLst>
-            </p:spPr>
-          </p:pic>
-          <p:pic>
-            <p:nvPicPr>
-              <p:cNvPr id="1028" name="Picture 4"/>
-              <p:cNvPicPr>
-                <a:picLocks noChangeAspect="1" noChangeArrowheads="1"/>
-              </p:cNvPicPr>
-              <p:nvPr/>
-            </p:nvPicPr>
-            <p:blipFill rotWithShape="1">
-              <a:blip r:embed="rId4">
-                <a:extLst>
-                  <a:ext uri="{28A0092B-C50C-407E-A947-70E740481C1C}">
-                    <a14:useLocalDpi xmlns:a14="http://schemas.microsoft.com/office/drawing/2010/main" val="0"/>
-                  </a:ext>
-                </a:extLst>
-              </a:blip>
-              <a:srcRect r="17436" b="2471"/>
-              <a:stretch/>
-            </p:blipFill>
-            <p:spPr bwMode="auto">
-              <a:xfrm>
-                <a:off x="7239000" y="1485180"/>
-                <a:ext cx="1824487" cy="2517477"/>
-              </a:xfrm>
-              <a:prstGeom prst="rect">
-                <a:avLst/>
-              </a:prstGeom>
-              <a:noFill/>
-              <a:ln>
-                <a:noFill/>
-              </a:ln>
-              <a:extLst>
-                <a:ext uri="{909E8E84-426E-40DD-AFC4-6F175D3DCCD1}">
-                  <a14:hiddenFill xmlns:a14="http://schemas.microsoft.com/office/drawing/2010/main">
-                    <a:solidFill>
-                      <a:schemeClr val="accent1"/>
-                    </a:solidFill>
-                  </a14:hiddenFill>
-                </a:ext>
-                <a:ext uri="{91240B29-F687-4F45-9708-019B960494DF}">
-                  <a14:hiddenLine xmlns:a14="http://schemas.microsoft.com/office/drawing/2010/main" w="9525">
-                    <a:solidFill>
-                      <a:schemeClr val="tx1"/>
-                    </a:solidFill>
-                    <a:miter lim="800000"/>
-                    <a:headEnd/>
-                    <a:tailEnd/>
-                  </a14:hiddenLine>
-                </a:ext>
-              </a:extLst>
-            </p:spPr>
-          </p:pic>
           <p:sp>
             <p:nvSpPr>
-              <p:cNvPr id="10" name="TextBox 9"/>
+              <p:cNvPr id="4" name="TextBox 3"/>
               <p:cNvSpPr txBox="1"/>
               <p:nvPr/>
             </p:nvSpPr>
             <p:spPr>
               <a:xfrm>
-                <a:off x="7746965" y="3965653"/>
-                <a:ext cx="404278" cy="461665"/>
+                <a:off x="333553" y="982816"/>
+                <a:ext cx="2212080" cy="461665"/>
               </a:xfrm>
               <a:prstGeom prst="rect">
                 <a:avLst/>
@@ -3355,13 +3150,264 @@
               <a:p>
                 <a:r>
                   <a:rPr lang="en-US" sz="2400" dirty="0" smtClean="0"/>
-                  <a:t>…</a:t>
+                  <a:t>MAJOR GENRES</a:t>
                 </a:r>
                 <a:endParaRPr lang="en-US" sz="2400" dirty="0"/>
               </a:p>
             </p:txBody>
           </p:sp>
         </p:grpSp>
+        <p:grpSp>
+          <p:nvGrpSpPr>
+            <p:cNvPr id="9" name="Group 8"/>
+            <p:cNvGrpSpPr/>
+            <p:nvPr/>
+          </p:nvGrpSpPr>
+          <p:grpSpPr>
+            <a:xfrm>
+              <a:off x="2819400" y="809956"/>
+              <a:ext cx="5690558" cy="3974317"/>
+              <a:chOff x="3372929" y="982816"/>
+              <a:chExt cx="5690558" cy="3974317"/>
+            </a:xfrm>
+          </p:grpSpPr>
+          <p:sp>
+            <p:nvSpPr>
+              <p:cNvPr id="8" name="TextBox 7"/>
+              <p:cNvSpPr txBox="1"/>
+              <p:nvPr/>
+            </p:nvSpPr>
+            <p:spPr>
+              <a:xfrm>
+                <a:off x="3372929" y="982816"/>
+                <a:ext cx="2911566" cy="461665"/>
+              </a:xfrm>
+              <a:prstGeom prst="rect">
+                <a:avLst/>
+              </a:prstGeom>
+              <a:noFill/>
+            </p:spPr>
+            <p:txBody>
+              <a:bodyPr wrap="none" rtlCol="0">
+                <a:spAutoFit/>
+              </a:bodyPr>
+              <a:lstStyle/>
+              <a:p>
+                <a:r>
+                  <a:rPr lang="en-US" sz="2400" dirty="0" smtClean="0"/>
+                  <a:t>SUB-GENRES (partial)</a:t>
+                </a:r>
+                <a:endParaRPr lang="en-US" sz="2400" dirty="0"/>
+              </a:p>
+            </p:txBody>
+          </p:sp>
+          <p:grpSp>
+            <p:nvGrpSpPr>
+              <p:cNvPr id="7" name="Group 6"/>
+              <p:cNvGrpSpPr/>
+              <p:nvPr/>
+            </p:nvGrpSpPr>
+            <p:grpSpPr>
+              <a:xfrm>
+                <a:off x="3372929" y="1524000"/>
+                <a:ext cx="5690558" cy="3433133"/>
+                <a:chOff x="3372929" y="1485180"/>
+                <a:chExt cx="5690558" cy="3433133"/>
+              </a:xfrm>
+            </p:grpSpPr>
+            <p:pic>
+              <p:nvPicPr>
+                <p:cNvPr id="1027" name="Picture 3" descr="C:\Users\Pedro\Desktop\U_Root\0_linux_home\git\music_scripts\traktor\various\dj_genres_-_minor_(partial).jpg"/>
+                <p:cNvPicPr>
+                  <a:picLocks noChangeAspect="1" noChangeArrowheads="1"/>
+                </p:cNvPicPr>
+                <p:nvPr/>
+              </p:nvPicPr>
+              <p:blipFill rotWithShape="1">
+                <a:blip r:embed="rId3">
+                  <a:extLst>
+                    <a:ext uri="{28A0092B-C50C-407E-A947-70E740481C1C}">
+                      <a14:useLocalDpi xmlns:a14="http://schemas.microsoft.com/office/drawing/2010/main" val="0"/>
+                    </a:ext>
+                  </a:extLst>
+                </a:blip>
+                <a:srcRect l="2930" t="48436" r="7518"/>
+                <a:stretch/>
+              </p:blipFill>
+              <p:spPr bwMode="auto">
+                <a:xfrm>
+                  <a:off x="5205483" y="1485180"/>
+                  <a:ext cx="2286000" cy="3433133"/>
+                </a:xfrm>
+                <a:prstGeom prst="rect">
+                  <a:avLst/>
+                </a:prstGeom>
+                <a:noFill/>
+                <a:extLst>
+                  <a:ext uri="{909E8E84-426E-40DD-AFC4-6F175D3DCCD1}">
+                    <a14:hiddenFill xmlns:a14="http://schemas.microsoft.com/office/drawing/2010/main">
+                      <a:solidFill>
+                        <a:srgbClr val="FFFFFF"/>
+                      </a:solidFill>
+                    </a14:hiddenFill>
+                  </a:ext>
+                </a:extLst>
+              </p:spPr>
+            </p:pic>
+            <p:pic>
+              <p:nvPicPr>
+                <p:cNvPr id="6" name="Picture 3" descr="C:\Users\Pedro\Desktop\U_Root\0_linux_home\git\music_scripts\traktor\various\dj_genres_-_minor_(partial).jpg"/>
+                <p:cNvPicPr>
+                  <a:picLocks noChangeAspect="1" noChangeArrowheads="1"/>
+                </p:cNvPicPr>
+                <p:nvPr/>
+              </p:nvPicPr>
+              <p:blipFill rotWithShape="1">
+                <a:blip r:embed="rId3">
+                  <a:extLst>
+                    <a:ext uri="{28A0092B-C50C-407E-A947-70E740481C1C}">
+                      <a14:useLocalDpi xmlns:a14="http://schemas.microsoft.com/office/drawing/2010/main" val="0"/>
+                    </a:ext>
+                  </a:extLst>
+                </a:blip>
+                <a:srcRect l="3491" r="19459" b="52211"/>
+                <a:stretch/>
+              </p:blipFill>
+              <p:spPr bwMode="auto">
+                <a:xfrm>
+                  <a:off x="3372929" y="1485180"/>
+                  <a:ext cx="1966822" cy="3181711"/>
+                </a:xfrm>
+                <a:prstGeom prst="rect">
+                  <a:avLst/>
+                </a:prstGeom>
+                <a:noFill/>
+                <a:extLst>
+                  <a:ext uri="{909E8E84-426E-40DD-AFC4-6F175D3DCCD1}">
+                    <a14:hiddenFill xmlns:a14="http://schemas.microsoft.com/office/drawing/2010/main">
+                      <a:solidFill>
+                        <a:srgbClr val="FFFFFF"/>
+                      </a:solidFill>
+                    </a14:hiddenFill>
+                  </a:ext>
+                </a:extLst>
+              </p:spPr>
+            </p:pic>
+            <p:pic>
+              <p:nvPicPr>
+                <p:cNvPr id="1028" name="Picture 4"/>
+                <p:cNvPicPr>
+                  <a:picLocks noChangeAspect="1" noChangeArrowheads="1"/>
+                </p:cNvPicPr>
+                <p:nvPr/>
+              </p:nvPicPr>
+              <p:blipFill rotWithShape="1">
+                <a:blip r:embed="rId4">
+                  <a:extLst>
+                    <a:ext uri="{28A0092B-C50C-407E-A947-70E740481C1C}">
+                      <a14:useLocalDpi xmlns:a14="http://schemas.microsoft.com/office/drawing/2010/main" val="0"/>
+                    </a:ext>
+                  </a:extLst>
+                </a:blip>
+                <a:srcRect r="17436" b="2471"/>
+                <a:stretch/>
+              </p:blipFill>
+              <p:spPr bwMode="auto">
+                <a:xfrm>
+                  <a:off x="7239000" y="1485180"/>
+                  <a:ext cx="1824487" cy="2517477"/>
+                </a:xfrm>
+                <a:prstGeom prst="rect">
+                  <a:avLst/>
+                </a:prstGeom>
+                <a:noFill/>
+                <a:ln>
+                  <a:noFill/>
+                </a:ln>
+                <a:extLst>
+                  <a:ext uri="{909E8E84-426E-40DD-AFC4-6F175D3DCCD1}">
+                    <a14:hiddenFill xmlns:a14="http://schemas.microsoft.com/office/drawing/2010/main">
+                      <a:solidFill>
+                        <a:schemeClr val="accent1"/>
+                      </a:solidFill>
+                    </a14:hiddenFill>
+                  </a:ext>
+                  <a:ext uri="{91240B29-F687-4F45-9708-019B960494DF}">
+                    <a14:hiddenLine xmlns:a14="http://schemas.microsoft.com/office/drawing/2010/main" w="9525">
+                      <a:solidFill>
+                        <a:schemeClr val="tx1"/>
+                      </a:solidFill>
+                      <a:miter lim="800000"/>
+                      <a:headEnd/>
+                      <a:tailEnd/>
+                    </a14:hiddenLine>
+                  </a:ext>
+                </a:extLst>
+              </p:spPr>
+            </p:pic>
+            <p:sp>
+              <p:nvSpPr>
+                <p:cNvPr id="10" name="TextBox 9"/>
+                <p:cNvSpPr txBox="1"/>
+                <p:nvPr/>
+              </p:nvSpPr>
+              <p:spPr>
+                <a:xfrm>
+                  <a:off x="7746965" y="3965653"/>
+                  <a:ext cx="404278" cy="461665"/>
+                </a:xfrm>
+                <a:prstGeom prst="rect">
+                  <a:avLst/>
+                </a:prstGeom>
+                <a:noFill/>
+              </p:spPr>
+              <p:txBody>
+                <a:bodyPr wrap="none" rtlCol="0">
+                  <a:spAutoFit/>
+                </a:bodyPr>
+                <a:lstStyle/>
+                <a:p>
+                  <a:r>
+                    <a:rPr lang="en-US" sz="2400" dirty="0" smtClean="0"/>
+                    <a:t>…</a:t>
+                  </a:r>
+                  <a:endParaRPr lang="en-US" sz="2400" dirty="0"/>
+                </a:p>
+              </p:txBody>
+            </p:sp>
+          </p:grpSp>
+        </p:grpSp>
+        <p:cxnSp>
+          <p:nvCxnSpPr>
+            <p:cNvPr id="3" name="Straight Connector 2"/>
+            <p:cNvCxnSpPr/>
+            <p:nvPr/>
+          </p:nvCxnSpPr>
+          <p:spPr>
+            <a:xfrm flipH="1">
+              <a:off x="2514600" y="685800"/>
+              <a:ext cx="31034" cy="4343400"/>
+            </a:xfrm>
+            <a:prstGeom prst="line">
+              <a:avLst/>
+            </a:prstGeom>
+            <a:ln w="38100"/>
+          </p:spPr>
+          <p:style>
+            <a:lnRef idx="1">
+              <a:schemeClr val="accent1"/>
+            </a:lnRef>
+            <a:fillRef idx="0">
+              <a:schemeClr val="accent1"/>
+            </a:fillRef>
+            <a:effectRef idx="0">
+              <a:schemeClr val="accent1"/>
+            </a:effectRef>
+            <a:fontRef idx="minor">
+              <a:schemeClr val="tx1"/>
+            </a:fontRef>
+          </p:style>
+        </p:cxnSp>
       </p:grpSp>
     </p:spTree>
     <p:extLst>
